--- a/Terahertz Metrology/Terahertz Metrology_Ch1.pptx
+++ b/Terahertz Metrology/Terahertz Metrology_Ch1.pptx
@@ -13821,7 +13821,19 @@
             </a:r>
             <a:r>
               <a:rPr lang="en-US" altLang="ko-KR" dirty="0" smtClean="0"/>
-              <a:t> = 5.3THz)</a:t>
+              <a:t> </a:t>
+            </a:r>
+            <a:r>
+              <a:rPr lang="en-US" altLang="ko-KR" smtClean="0"/>
+              <a:t>= </a:t>
+            </a:r>
+            <a:r>
+              <a:rPr lang="en-US" altLang="ko-KR" smtClean="0"/>
+              <a:t>5.2THz</a:t>
+            </a:r>
+            <a:r>
+              <a:rPr lang="en-US" altLang="ko-KR" dirty="0" smtClean="0"/>
+              <a:t>)</a:t>
             </a:r>
           </a:p>
           <a:p>
@@ -15067,11 +15079,7 @@
             </a:r>
             <a:r>
               <a:rPr lang="en-US" altLang="ko-KR" smtClean="0"/>
-              <a:t> </a:t>
-            </a:r>
-            <a:r>
-              <a:rPr lang="en-US" altLang="ko-KR" smtClean="0"/>
-              <a:t>crystal</a:t>
+              <a:t> crystal</a:t>
             </a:r>
             <a:endParaRPr lang="en-US" altLang="ko-KR" dirty="0" smtClean="0"/>
           </a:p>
